--- a/Swarna_NFT_ANALYTICS_SKILLS_TEST_03.pptx
+++ b/Swarna_NFT_ANALYTICS_SKILLS_TEST_03.pptx
@@ -109,6 +109,11 @@
       </a:defRPr>
     </a:lvl9pPr>
   </p:defaultTextStyle>
+  <p:extLst>
+    <p:ext uri="{EFAFB233-063F-42B5-8137-9DF3F51BA10A}">
+      <p15:sldGuideLst xmlns:p15="http://schemas.microsoft.com/office/powerpoint/2012/main"/>
+    </p:ext>
+  </p:extLst>
 </p:presentation>
 </file>
 
@@ -3933,23 +3938,19 @@
               <a:buAutoNum type="arabicPeriod"/>
             </a:pPr>
             <a:r>
-              <a:rPr lang="en-US" sz="1600" dirty="0"/>
-              <a:t>Heroku – </a:t>
-            </a:r>
-          </a:p>
-          <a:p>
-            <a:pPr marL="457200" indent="-457200" algn="l">
-              <a:buFont typeface="+mj-lt"/>
-              <a:buAutoNum type="arabicPeriod"/>
-            </a:pPr>
-            <a:r>
               <a:rPr lang="en-US" sz="1600" dirty="0">
                 <a:latin typeface="-apple-system"/>
               </a:rPr>
               <a:t>Demo Video - </a:t>
             </a:r>
-            <a:endParaRPr lang="en-US" sz="1600" b="0" i="0" u="none" strike="noStrike" dirty="0">
-              <a:effectLst/>
+            <a:r>
+              <a:rPr lang="en-US" sz="1600" dirty="0">
+                <a:latin typeface="-apple-system"/>
+                <a:hlinkClick r:id="rId3"/>
+              </a:rPr>
+              <a:t>https://github.com/swarna-rk/NFTs/blob/main/Prompt%202/minoritytweet_appwalkthru.webm</a:t>
+            </a:r>
+            <a:endParaRPr lang="en-US" sz="1600" dirty="0">
               <a:latin typeface="-apple-system"/>
             </a:endParaRPr>
           </a:p>
@@ -4163,7 +4164,7 @@
             </a:pPr>
             <a:r>
               <a:rPr lang="en-US" sz="2000" dirty="0"/>
-              <a:t>This is not an elegant and crisp design for sentiment analysis. Given more time, I would have avoided </a:t>
+              <a:t>This is not an elegant and crisp implementation of sentiment analysis. Given more time, I would have avoided </a:t>
             </a:r>
             <a:r>
               <a:rPr lang="en-US" sz="2000" dirty="0" err="1"/>
@@ -4171,7 +4172,15 @@
             </a:r>
             <a:r>
               <a:rPr lang="en-US" sz="2000" dirty="0"/>
-              <a:t> Implementation. The select-box to know the polarity scores is not ideal.</a:t>
+              <a:t> Implementation. The </a:t>
+            </a:r>
+            <a:r>
+              <a:rPr lang="en-US" sz="2000"/>
+              <a:t>select-box intervention to fetch </a:t>
+            </a:r>
+            <a:r>
+              <a:rPr lang="en-US" sz="2000" dirty="0"/>
+              <a:t>the polarity scores is not ideal.</a:t>
             </a:r>
           </a:p>
           <a:p>

--- a/Swarna_NFT_ANALYTICS_SKILLS_TEST_03.pptx
+++ b/Swarna_NFT_ANALYTICS_SKILLS_TEST_03.pptx
@@ -4164,7 +4164,7 @@
             </a:pPr>
             <a:r>
               <a:rPr lang="en-US" sz="2000" dirty="0"/>
-              <a:t>This is not an elegant and crisp implementation of sentiment analysis. Given more time, I would have avoided </a:t>
+              <a:t>This is not an ideal and crisp implementation of sentiment analysis. Given more time, I would have avoided </a:t>
             </a:r>
             <a:r>
               <a:rPr lang="en-US" sz="2000" dirty="0" err="1"/>
@@ -4172,15 +4172,7 @@
             </a:r>
             <a:r>
               <a:rPr lang="en-US" sz="2000" dirty="0"/>
-              <a:t> Implementation. The </a:t>
-            </a:r>
-            <a:r>
-              <a:rPr lang="en-US" sz="2000"/>
-              <a:t>select-box intervention to fetch </a:t>
-            </a:r>
-            <a:r>
-              <a:rPr lang="en-US" sz="2000" dirty="0"/>
-              <a:t>the polarity scores is not ideal.</a:t>
+              <a:t> Implementation. The select-box intervention to fetch the polarity scores is not ideal.</a:t>
             </a:r>
           </a:p>
           <a:p>
@@ -4691,7 +4683,7 @@
           <a:p>
             <a:r>
               <a:rPr lang="en-US" sz="2000" dirty="0"/>
-              <a:t>Not able to fetch geo coordinates. Given more time, would have performed clustering based on geo coordinates</a:t>
+              <a:t>I was not able to fetch geo coordinates. Given more time, would have performed clustering based on geo coordinates</a:t>
             </a:r>
           </a:p>
           <a:p>

--- a/Swarna_NFT_ANALYTICS_SKILLS_TEST_03.pptx
+++ b/Swarna_NFT_ANALYTICS_SKILLS_TEST_03.pptx
@@ -264,7 +264,7 @@
           <a:p>
             <a:fld id="{03975AAC-5DAE-450F-92DA-24B36E0C41C8}" type="datetimeFigureOut">
               <a:rPr lang="en-US" smtClean="0"/>
-              <a:t>7/7/2022</a:t>
+              <a:t>7/8/2022</a:t>
             </a:fld>
             <a:endParaRPr lang="en-US"/>
           </a:p>
@@ -462,7 +462,7 @@
           <a:p>
             <a:fld id="{03975AAC-5DAE-450F-92DA-24B36E0C41C8}" type="datetimeFigureOut">
               <a:rPr lang="en-US" smtClean="0"/>
-              <a:t>7/7/2022</a:t>
+              <a:t>7/8/2022</a:t>
             </a:fld>
             <a:endParaRPr lang="en-US"/>
           </a:p>
@@ -670,7 +670,7 @@
           <a:p>
             <a:fld id="{03975AAC-5DAE-450F-92DA-24B36E0C41C8}" type="datetimeFigureOut">
               <a:rPr lang="en-US" smtClean="0"/>
-              <a:t>7/7/2022</a:t>
+              <a:t>7/8/2022</a:t>
             </a:fld>
             <a:endParaRPr lang="en-US"/>
           </a:p>
@@ -868,7 +868,7 @@
           <a:p>
             <a:fld id="{03975AAC-5DAE-450F-92DA-24B36E0C41C8}" type="datetimeFigureOut">
               <a:rPr lang="en-US" smtClean="0"/>
-              <a:t>7/7/2022</a:t>
+              <a:t>7/8/2022</a:t>
             </a:fld>
             <a:endParaRPr lang="en-US"/>
           </a:p>
@@ -1143,7 +1143,7 @@
           <a:p>
             <a:fld id="{03975AAC-5DAE-450F-92DA-24B36E0C41C8}" type="datetimeFigureOut">
               <a:rPr lang="en-US" smtClean="0"/>
-              <a:t>7/7/2022</a:t>
+              <a:t>7/8/2022</a:t>
             </a:fld>
             <a:endParaRPr lang="en-US"/>
           </a:p>
@@ -1408,7 +1408,7 @@
           <a:p>
             <a:fld id="{03975AAC-5DAE-450F-92DA-24B36E0C41C8}" type="datetimeFigureOut">
               <a:rPr lang="en-US" smtClean="0"/>
-              <a:t>7/7/2022</a:t>
+              <a:t>7/8/2022</a:t>
             </a:fld>
             <a:endParaRPr lang="en-US"/>
           </a:p>
@@ -1820,7 +1820,7 @@
           <a:p>
             <a:fld id="{03975AAC-5DAE-450F-92DA-24B36E0C41C8}" type="datetimeFigureOut">
               <a:rPr lang="en-US" smtClean="0"/>
-              <a:t>7/7/2022</a:t>
+              <a:t>7/8/2022</a:t>
             </a:fld>
             <a:endParaRPr lang="en-US"/>
           </a:p>
@@ -1961,7 +1961,7 @@
           <a:p>
             <a:fld id="{03975AAC-5DAE-450F-92DA-24B36E0C41C8}" type="datetimeFigureOut">
               <a:rPr lang="en-US" smtClean="0"/>
-              <a:t>7/7/2022</a:t>
+              <a:t>7/8/2022</a:t>
             </a:fld>
             <a:endParaRPr lang="en-US"/>
           </a:p>
@@ -2074,7 +2074,7 @@
           <a:p>
             <a:fld id="{03975AAC-5DAE-450F-92DA-24B36E0C41C8}" type="datetimeFigureOut">
               <a:rPr lang="en-US" smtClean="0"/>
-              <a:t>7/7/2022</a:t>
+              <a:t>7/8/2022</a:t>
             </a:fld>
             <a:endParaRPr lang="en-US"/>
           </a:p>
@@ -2385,7 +2385,7 @@
           <a:p>
             <a:fld id="{03975AAC-5DAE-450F-92DA-24B36E0C41C8}" type="datetimeFigureOut">
               <a:rPr lang="en-US" smtClean="0"/>
-              <a:t>7/7/2022</a:t>
+              <a:t>7/8/2022</a:t>
             </a:fld>
             <a:endParaRPr lang="en-US"/>
           </a:p>
@@ -2673,7 +2673,7 @@
           <a:p>
             <a:fld id="{03975AAC-5DAE-450F-92DA-24B36E0C41C8}" type="datetimeFigureOut">
               <a:rPr lang="en-US" smtClean="0"/>
-              <a:t>7/7/2022</a:t>
+              <a:t>7/8/2022</a:t>
             </a:fld>
             <a:endParaRPr lang="en-US"/>
           </a:p>
@@ -2914,7 +2914,7 @@
           <a:p>
             <a:fld id="{03975AAC-5DAE-450F-92DA-24B36E0C41C8}" type="datetimeFigureOut">
               <a:rPr lang="en-US" smtClean="0"/>
-              <a:t>7/7/2022</a:t>
+              <a:t>7/8/2022</a:t>
             </a:fld>
             <a:endParaRPr lang="en-US"/>
           </a:p>
@@ -3778,7 +3778,16 @@
             </a:r>
             <a:r>
               <a:rPr lang="en-US" sz="2000" dirty="0"/>
-              <a:t>]. So visualization might not display all usernames available in real-time.</a:t>
+              <a:t>]. So visualization might not display all usernames available in the internet.</a:t>
+            </a:r>
+          </a:p>
+          <a:p>
+            <a:pPr marL="0" indent="0">
+              <a:buNone/>
+            </a:pPr>
+            <a:r>
+              <a:rPr lang="en-US" sz="2000" dirty="0"/>
+              <a:t>Given more time, I would have gone for a modern Tableau dashboard using Figma</a:t>
             </a:r>
           </a:p>
         </p:txBody>
@@ -4685,6 +4694,21 @@
               <a:rPr lang="en-US" sz="2000" dirty="0"/>
               <a:t>I was not able to fetch geo coordinates. Given more time, would have performed clustering based on geo coordinates</a:t>
             </a:r>
+          </a:p>
+          <a:p>
+            <a:pPr marL="0" indent="0">
+              <a:buNone/>
+            </a:pPr>
+            <a:r>
+              <a:rPr lang="en-US" sz="2000" dirty="0"/>
+              <a:t>Given more time, I would have gone for a modern Tableau dashboard using Figma</a:t>
+            </a:r>
+          </a:p>
+          <a:p>
+            <a:pPr marL="0" indent="0">
+              <a:buNone/>
+            </a:pPr>
+            <a:endParaRPr lang="en-US" sz="2000" dirty="0"/>
           </a:p>
           <a:p>
             <a:pPr marL="0" indent="0">
